--- a/Team4Helping.pptx
+++ b/Team4Helping.pptx
@@ -7,9 +7,10 @@
   <p:sldIdLst>
     <p:sldId id="256" r:id="rId2"/>
     <p:sldId id="257" r:id="rId3"/>
-    <p:sldId id="258" r:id="rId4"/>
-    <p:sldId id="259" r:id="rId5"/>
-    <p:sldId id="260" r:id="rId6"/>
+    <p:sldId id="261" r:id="rId4"/>
+    <p:sldId id="258" r:id="rId5"/>
+    <p:sldId id="259" r:id="rId6"/>
+    <p:sldId id="260" r:id="rId7"/>
   </p:sldIdLst>
   <p:sldSz cx="12192000" cy="6858000"/>
   <p:notesSz cx="6858000" cy="9144000"/>
@@ -7700,7 +7701,7 @@
           <a:p>
             <a:r>
               <a:rPr lang="en-US" dirty="0" smtClean="0"/>
-              <a:t>Team 4 is really helping.</a:t>
+              <a:t>How can we help?</a:t>
             </a:r>
             <a:endParaRPr lang="en-US" dirty="0"/>
           </a:p>
@@ -8161,20 +8162,83 @@
           <a:p>
             <a:r>
               <a:rPr lang="en-US" dirty="0" smtClean="0"/>
-              <a:t>How we interact with this World!</a:t>
-            </a:r>
-            <a:endParaRPr lang="en-US" dirty="0"/>
-          </a:p>
-        </p:txBody>
-      </p:sp>
-      <p:sp>
-        <p:nvSpPr>
-          <p:cNvPr id="3" name="Content Placeholder 2"/>
-          <p:cNvSpPr>
-            <a:spLocks noGrp="1"/>
-          </p:cNvSpPr>
+              <a:t>Our Application</a:t>
+            </a:r>
+            <a:endParaRPr lang="en-US" dirty="0"/>
+          </a:p>
+        </p:txBody>
+      </p:sp>
+      <p:pic>
+        <p:nvPicPr>
+          <p:cNvPr id="4" name="Content Placeholder 3"/>
+          <p:cNvPicPr>
+            <a:picLocks noGrp="1" noChangeAspect="1"/>
+          </p:cNvPicPr>
           <p:nvPr>
             <p:ph idx="1"/>
+          </p:nvPr>
+        </p:nvPicPr>
+        <p:blipFill>
+          <a:blip r:embed="rId2"/>
+          <a:stretch>
+            <a:fillRect/>
+          </a:stretch>
+        </p:blipFill>
+        <p:spPr>
+          <a:xfrm>
+            <a:off x="1464732" y="1873150"/>
+            <a:ext cx="8542867" cy="4805364"/>
+          </a:xfrm>
+          <a:prstGeom prst="rect">
+            <a:avLst/>
+          </a:prstGeom>
+        </p:spPr>
+      </p:pic>
+    </p:spTree>
+    <p:extLst>
+      <p:ext uri="{BB962C8B-B14F-4D97-AF65-F5344CB8AC3E}">
+        <p14:creationId xmlns:p14="http://schemas.microsoft.com/office/powerpoint/2010/main" val="679872414"/>
+      </p:ext>
+    </p:extLst>
+  </p:cSld>
+  <p:clrMapOvr>
+    <a:masterClrMapping/>
+  </p:clrMapOvr>
+  <p:timing>
+    <p:tnLst>
+      <p:par>
+        <p:cTn id="1" dur="indefinite" restart="never" nodeType="tmRoot"/>
+      </p:par>
+    </p:tnLst>
+  </p:timing>
+</p:sld>
+</file>
+
+<file path=ppt/slides/slide4.xml><?xml version="1.0" encoding="utf-8"?>
+<p:sld xmlns:a="http://schemas.openxmlformats.org/drawingml/2006/main" xmlns:r="http://schemas.openxmlformats.org/officeDocument/2006/relationships" xmlns:p="http://schemas.openxmlformats.org/presentationml/2006/main">
+  <p:cSld>
+    <p:spTree>
+      <p:nvGrpSpPr>
+        <p:cNvPr id="1" name=""/>
+        <p:cNvGrpSpPr/>
+        <p:nvPr/>
+      </p:nvGrpSpPr>
+      <p:grpSpPr>
+        <a:xfrm>
+          <a:off x="0" y="0"/>
+          <a:ext cx="0" cy="0"/>
+          <a:chOff x="0" y="0"/>
+          <a:chExt cx="0" cy="0"/>
+        </a:xfrm>
+      </p:grpSpPr>
+      <p:sp>
+        <p:nvSpPr>
+          <p:cNvPr id="2" name="Title 1"/>
+          <p:cNvSpPr>
+            <a:spLocks noGrp="1"/>
+          </p:cNvSpPr>
+          <p:nvPr>
+            <p:ph type="title"/>
           </p:nvPr>
         </p:nvSpPr>
         <p:spPr/>
@@ -8183,8 +8247,49 @@
           <a:lstStyle/>
           <a:p>
             <a:r>
+              <a:rPr lang="en-US" dirty="0" smtClean="0"/>
+              <a:t>How we interact with this World!</a:t>
+            </a:r>
+            <a:endParaRPr lang="en-US" dirty="0"/>
+          </a:p>
+        </p:txBody>
+      </p:sp>
+      <p:sp>
+        <p:nvSpPr>
+          <p:cNvPr id="3" name="Content Placeholder 2"/>
+          <p:cNvSpPr>
+            <a:spLocks noGrp="1"/>
+          </p:cNvSpPr>
+          <p:nvPr>
+            <p:ph idx="1"/>
+          </p:nvPr>
+        </p:nvSpPr>
+        <p:spPr/>
+        <p:txBody>
+          <a:bodyPr/>
+          <a:lstStyle/>
+          <a:p>
+            <a:r>
               <a:rPr lang="en-US" dirty="0"/>
-              <a:t>Our vision is to professionally monetize revolutionary benefits to stay pertinent in tomorrow's world</a:t>
+              <a:t>Our vision is to professionally monetize revolutionary benefits to stay pertinent in tomorrow's </a:t>
+            </a:r>
+            <a:r>
+              <a:rPr lang="en-US" dirty="0" smtClean="0"/>
+              <a:t>world by offering quality map services.</a:t>
+            </a:r>
+          </a:p>
+          <a:p>
+            <a:r>
+              <a:rPr lang="en-US" dirty="0"/>
+              <a:t>Our business is to quickly orchestrate holistic helping-hands as well as conveniently operationalize web 2.0 meta-services to meet our </a:t>
+            </a:r>
+            <a:r>
+              <a:rPr lang="en-US"/>
+              <a:t>customer's </a:t>
+            </a:r>
+            <a:r>
+              <a:rPr lang="en-US" smtClean="0"/>
+              <a:t>map needs</a:t>
             </a:r>
             <a:r>
               <a:rPr lang="en-US" dirty="0" smtClean="0"/>
@@ -8194,17 +8299,15 @@
           <a:p>
             <a:r>
               <a:rPr lang="en-US" dirty="0"/>
-              <a:t>Our business is to quickly orchestrate holistic helping-hands as well as conveniently operationalize web 2.0 meta-services to meet our customer's needs</a:t>
+              <a:t>We will work concertedly to continually maintain high-quality </a:t>
             </a:r>
             <a:r>
               <a:rPr lang="en-US" dirty="0" smtClean="0"/>
-              <a:t>.</a:t>
-            </a:r>
-          </a:p>
-          <a:p>
+              <a:t>map services </a:t>
+            </a:r>
             <a:r>
               <a:rPr lang="en-US" dirty="0"/>
-              <a:t>We will work concertedly to continually maintain high-quality services to stay relevant in tomorrow's world.</a:t>
+              <a:t>to stay relevant in tomorrow's world.</a:t>
             </a:r>
             <a:endParaRPr lang="en-US" dirty="0"/>
           </a:p>
@@ -8493,7 +8596,7 @@
 </p:sld>
 </file>
 
-<file path=ppt/slides/slide4.xml><?xml version="1.0" encoding="utf-8"?>
+<file path=ppt/slides/slide5.xml><?xml version="1.0" encoding="utf-8"?>
 <p:sld xmlns:a="http://schemas.openxmlformats.org/drawingml/2006/main" xmlns:r="http://schemas.openxmlformats.org/officeDocument/2006/relationships" xmlns:p="http://schemas.openxmlformats.org/presentationml/2006/main">
   <p:cSld>
     <p:spTree>
@@ -8527,7 +8630,7 @@
           <a:p>
             <a:r>
               <a:rPr lang="en-US" dirty="0" smtClean="0"/>
-              <a:t>T4-HELPING			</a:t>
+              <a:t>T4-Coding For Good			</a:t>
             </a:r>
             <a:endParaRPr lang="en-US" dirty="0"/>
           </a:p>
@@ -8550,19 +8653,31 @@
           <a:p>
             <a:r>
               <a:rPr lang="en-US" dirty="0" smtClean="0"/>
-              <a:t>Helping, empathy. How we care.</a:t>
+              <a:t>Website featuring database integration and using googles APIs.</a:t>
             </a:r>
           </a:p>
           <a:p>
             <a:r>
               <a:rPr lang="en-US" dirty="0" smtClean="0"/>
-              <a:t>By transforming the map experience to new levels. </a:t>
-            </a:r>
-          </a:p>
-          <a:p>
+              <a:t>Allows users to easily add location data regarding Disability access.</a:t>
+            </a:r>
+          </a:p>
+          <a:p>
+            <a:r>
+              <a:rPr lang="en-US" dirty="0" smtClean="0"/>
+              <a:t>This </a:t>
+            </a:r>
             <a:r>
               <a:rPr lang="en-US" dirty="0"/>
-              <a:t>“If the challenges persist, we should immediately circle back</a:t>
+              <a:t>product will quantify native </a:t>
+            </a:r>
+            <a:r>
+              <a:rPr lang="en-US" dirty="0" smtClean="0"/>
+              <a:t>advertising and </a:t>
+            </a:r>
+            <a:r>
+              <a:rPr lang="en-US" dirty="0"/>
+              <a:t>demonstrate strategic performance incorporate social responsibility</a:t>
             </a:r>
             <a:r>
               <a:rPr lang="en-US" dirty="0" smtClean="0"/>
@@ -8570,56 +8685,9 @@
             </a:r>
           </a:p>
           <a:p>
-            <a:r>
-              <a:rPr lang="en-US" dirty="0"/>
-              <a:t>Our change agent is the most </a:t>
-            </a:r>
-            <a:r>
-              <a:rPr lang="en-US" dirty="0" err="1"/>
-              <a:t>multiplatformthing</a:t>
-            </a:r>
-            <a:r>
-              <a:rPr lang="en-US" dirty="0"/>
-              <a:t> </a:t>
-            </a:r>
-            <a:r>
-              <a:rPr lang="en-US" dirty="0" smtClean="0"/>
-              <a:t>in our Team. We do our </a:t>
-            </a:r>
-            <a:r>
-              <a:rPr lang="en-US" dirty="0"/>
-              <a:t>best </a:t>
-            </a:r>
-            <a:r>
-              <a:rPr lang="en-US" dirty="0" smtClean="0"/>
-              <a:t>to </a:t>
-            </a:r>
-            <a:r>
-              <a:rPr lang="en-US" dirty="0" err="1" smtClean="0"/>
-              <a:t>toleverage</a:t>
-            </a:r>
-            <a:r>
-              <a:rPr lang="en-US" dirty="0"/>
-              <a:t> it</a:t>
-            </a:r>
-            <a:r>
-              <a:rPr lang="en-US" dirty="0" smtClean="0"/>
-              <a:t>.</a:t>
-            </a:r>
-          </a:p>
-          <a:p>
-            <a:r>
-              <a:rPr lang="en-US" dirty="0"/>
-              <a:t>This product will quantify native </a:t>
-            </a:r>
-            <a:r>
-              <a:rPr lang="en-US" dirty="0" smtClean="0"/>
-              <a:t>advertising and </a:t>
-            </a:r>
-            <a:r>
-              <a:rPr lang="en-US" dirty="0"/>
-              <a:t>demonstrate strategic performance incorporate social responsibility.”</a:t>
-            </a:r>
+            <a:pPr marL="0" indent="0">
+              <a:buNone/>
+            </a:pPr>
             <a:endParaRPr lang="en-US" dirty="0"/>
           </a:p>
         </p:txBody>
@@ -8761,7 +8829,7 @@
 </p:sld>
 </file>
 
-<file path=ppt/slides/slide5.xml><?xml version="1.0" encoding="utf-8"?>
+<file path=ppt/slides/slide6.xml><?xml version="1.0" encoding="utf-8"?>
 <p:sld xmlns:a="http://schemas.openxmlformats.org/drawingml/2006/main" xmlns:r="http://schemas.openxmlformats.org/officeDocument/2006/relationships" xmlns:p="http://schemas.openxmlformats.org/presentationml/2006/main">
   <p:cSld>
     <p:spTree>
@@ -8793,7 +8861,11 @@
           <a:bodyPr/>
           <a:lstStyle/>
           <a:p>
-            <a:endParaRPr lang="en-US"/>
+            <a:r>
+              <a:rPr lang="en-US" dirty="0" smtClean="0"/>
+              <a:t>Technologies	</a:t>
+            </a:r>
+            <a:endParaRPr lang="en-US" dirty="0"/>
           </a:p>
         </p:txBody>
       </p:sp>
@@ -8812,7 +8884,29 @@
           <a:bodyPr/>
           <a:lstStyle/>
           <a:p>
-            <a:endParaRPr lang="en-US"/>
+            <a:r>
+              <a:rPr lang="en-US" dirty="0" smtClean="0"/>
+              <a:t>Bootstrap framework.</a:t>
+            </a:r>
+          </a:p>
+          <a:p>
+            <a:r>
+              <a:rPr lang="en-US" dirty="0" err="1" smtClean="0"/>
+              <a:t>Javascript</a:t>
+            </a:r>
+            <a:endParaRPr lang="en-US" dirty="0" smtClean="0"/>
+          </a:p>
+          <a:p>
+            <a:r>
+              <a:rPr lang="en-US" dirty="0" smtClean="0"/>
+              <a:t>MySQL</a:t>
+            </a:r>
+          </a:p>
+          <a:p>
+            <a:r>
+              <a:rPr lang="en-US" dirty="0" smtClean="0"/>
+              <a:t>PowerPoint.</a:t>
+            </a:r>
           </a:p>
         </p:txBody>
       </p:sp>
